--- a/Research Question/group 84 a.pptx
+++ b/Research Question/group 84 a.pptx
@@ -9,12 +9,8 @@
     <p:sldId id="256" r:id="rId6"/>
     <p:sldId id="289" r:id="rId7"/>
     <p:sldId id="291" r:id="rId8"/>
-    <p:sldId id="292" r:id="rId9"/>
-    <p:sldId id="293" r:id="rId10"/>
-    <p:sldId id="295" r:id="rId11"/>
-    <p:sldId id="296" r:id="rId12"/>
-    <p:sldId id="297" r:id="rId13"/>
-    <p:sldId id="294" r:id="rId14"/>
+    <p:sldId id="295" r:id="rId9"/>
+    <p:sldId id="294" r:id="rId10"/>
   </p:sldIdLst>
   <p:sldSz cx="12192000" cy="6858000"/>
   <p:notesSz cx="6858000" cy="9144000"/>
@@ -330,7 +326,7 @@
           <a:p>
             <a:fld id="{C485584D-7D79-4248-9986-4CA35242F944}" type="datetimeFigureOut">
               <a:rPr lang="en-US" smtClean="0"/>
-              <a:t>11/3/2024</a:t>
+              <a:t>12/20/2024</a:t>
             </a:fld>
             <a:endParaRPr lang="en-US"/>
           </a:p>
@@ -704,7 +700,7 @@
           <a:p>
             <a:fld id="{C485584D-7D79-4248-9986-4CA35242F944}" type="datetimeFigureOut">
               <a:rPr lang="en-US" smtClean="0"/>
-              <a:t>11/3/2024</a:t>
+              <a:t>12/20/2024</a:t>
             </a:fld>
             <a:endParaRPr lang="en-US"/>
           </a:p>
@@ -914,7 +910,7 @@
           <a:p>
             <a:fld id="{C485584D-7D79-4248-9986-4CA35242F944}" type="datetimeFigureOut">
               <a:rPr lang="en-US" smtClean="0"/>
-              <a:t>11/3/2024</a:t>
+              <a:t>12/20/2024</a:t>
             </a:fld>
             <a:endParaRPr lang="en-US"/>
           </a:p>
@@ -3077,7 +3073,7 @@
           <a:p>
             <a:fld id="{C485584D-7D79-4248-9986-4CA35242F944}" type="datetimeFigureOut">
               <a:rPr lang="en-US" smtClean="0"/>
-              <a:t>11/3/2024</a:t>
+              <a:t>12/20/2024</a:t>
             </a:fld>
             <a:endParaRPr lang="en-US"/>
           </a:p>
@@ -4396,7 +4392,7 @@
           <a:p>
             <a:fld id="{C485584D-7D79-4248-9986-4CA35242F944}" type="datetimeFigureOut">
               <a:rPr lang="en-US" smtClean="0"/>
-              <a:t>11/3/2024</a:t>
+              <a:t>12/20/2024</a:t>
             </a:fld>
             <a:endParaRPr lang="en-US"/>
           </a:p>
@@ -5132,7 +5128,7 @@
           <a:p>
             <a:fld id="{C485584D-7D79-4248-9986-4CA35242F944}" type="datetimeFigureOut">
               <a:rPr lang="en-US" smtClean="0"/>
-              <a:t>11/3/2024</a:t>
+              <a:t>12/20/2024</a:t>
             </a:fld>
             <a:endParaRPr lang="en-US"/>
           </a:p>
@@ -5548,7 +5544,7 @@
           <a:p>
             <a:fld id="{C485584D-7D79-4248-9986-4CA35242F944}" type="datetimeFigureOut">
               <a:rPr lang="en-US" smtClean="0"/>
-              <a:t>11/3/2024</a:t>
+              <a:t>12/20/2024</a:t>
             </a:fld>
             <a:endParaRPr lang="en-US"/>
           </a:p>
@@ -5689,7 +5685,7 @@
           <a:p>
             <a:fld id="{C485584D-7D79-4248-9986-4CA35242F944}" type="datetimeFigureOut">
               <a:rPr lang="en-US" smtClean="0"/>
-              <a:t>11/3/2024</a:t>
+              <a:t>12/20/2024</a:t>
             </a:fld>
             <a:endParaRPr lang="en-US"/>
           </a:p>
@@ -5802,7 +5798,7 @@
           <a:p>
             <a:fld id="{C485584D-7D79-4248-9986-4CA35242F944}" type="datetimeFigureOut">
               <a:rPr lang="en-US" smtClean="0"/>
-              <a:t>11/3/2024</a:t>
+              <a:t>12/20/2024</a:t>
             </a:fld>
             <a:endParaRPr lang="en-US"/>
           </a:p>
@@ -6115,7 +6111,7 @@
           <a:p>
             <a:fld id="{C485584D-7D79-4248-9986-4CA35242F944}" type="datetimeFigureOut">
               <a:rPr lang="en-US" smtClean="0"/>
-              <a:t>11/3/2024</a:t>
+              <a:t>12/20/2024</a:t>
             </a:fld>
             <a:endParaRPr lang="en-US"/>
           </a:p>
@@ -6407,7 +6403,7 @@
           <a:p>
             <a:fld id="{C485584D-7D79-4248-9986-4CA35242F944}" type="datetimeFigureOut">
               <a:rPr lang="en-US" smtClean="0"/>
-              <a:t>11/3/2024</a:t>
+              <a:t>12/20/2024</a:t>
             </a:fld>
             <a:endParaRPr lang="en-US"/>
           </a:p>
@@ -6691,7 +6687,7 @@
           <a:p>
             <a:fld id="{C485584D-7D79-4248-9986-4CA35242F944}" type="datetimeFigureOut">
               <a:rPr lang="en-US" smtClean="0"/>
-              <a:t>11/3/2024</a:t>
+              <a:t>12/20/2024</a:t>
             </a:fld>
             <a:endParaRPr lang="en-US"/>
           </a:p>
@@ -8748,10 +8744,10 @@
       </p:grpSpPr>
       <p:sp>
         <p:nvSpPr>
-          <p:cNvPr id="7" name="TextBox 6">
-            <a:extLst>
-              <a:ext uri="{FF2B5EF4-FFF2-40B4-BE49-F238E27FC236}">
-                <a16:creationId xmlns:a16="http://schemas.microsoft.com/office/drawing/2014/main" id="{11F57710-0948-8C6D-87D8-22396EEA1983}"/>
+          <p:cNvPr id="2" name="TextBox 1">
+            <a:extLst>
+              <a:ext uri="{FF2B5EF4-FFF2-40B4-BE49-F238E27FC236}">
+                <a16:creationId xmlns:a16="http://schemas.microsoft.com/office/drawing/2014/main" id="{50177843-F983-C348-18C8-5F1AA3648898}"/>
               </a:ext>
             </a:extLst>
           </p:cNvPr>
@@ -8761,7 +8757,7 @@
         <p:spPr>
           <a:xfrm>
             <a:off x="406400" y="551934"/>
-            <a:ext cx="6096000" cy="369332"/>
+            <a:ext cx="6096000" cy="646331"/>
           </a:xfrm>
           <a:prstGeom prst="rect">
             <a:avLst/>
@@ -8776,17 +8772,17 @@
           <a:p>
             <a:r>
               <a:rPr lang="en-US" dirty="0"/>
-              <a:t>Research Question: Correlation between Salary Metrics</a:t>
-            </a:r>
-          </a:p>
-        </p:txBody>
-      </p:sp>
-      <p:sp>
-        <p:nvSpPr>
-          <p:cNvPr id="9" name="TextBox 8">
-            <a:extLst>
-              <a:ext uri="{FF2B5EF4-FFF2-40B4-BE49-F238E27FC236}">
-                <a16:creationId xmlns:a16="http://schemas.microsoft.com/office/drawing/2014/main" id="{8CD75EC6-D571-37A0-24C1-9B80183BDA83}"/>
+              <a:t>Research Question :Comparison of Salary Metrics across Continents</a:t>
+            </a:r>
+          </a:p>
+        </p:txBody>
+      </p:sp>
+      <p:sp>
+        <p:nvSpPr>
+          <p:cNvPr id="3" name="TextBox 2">
+            <a:extLst>
+              <a:ext uri="{FF2B5EF4-FFF2-40B4-BE49-F238E27FC236}">
+                <a16:creationId xmlns:a16="http://schemas.microsoft.com/office/drawing/2014/main" id="{FC454B35-8AC7-A5A9-852A-91FC6E47782F}"/>
               </a:ext>
             </a:extLst>
           </p:cNvPr>
@@ -8796,7 +8792,7 @@
         <p:spPr>
           <a:xfrm>
             <a:off x="381000" y="1175435"/>
-            <a:ext cx="8737600" cy="646331"/>
+            <a:ext cx="9331960" cy="646331"/>
           </a:xfrm>
           <a:prstGeom prst="rect">
             <a:avLst/>
@@ -8810,27 +8806,18 @@
           <a:lstStyle/>
           <a:p>
             <a:r>
-              <a:rPr lang="en-IN" dirty="0"/>
-              <a:t>"</a:t>
-            </a:r>
-            <a:r>
               <a:rPr lang="en-US" dirty="0"/>
-              <a:t>Is there a correlation between the median salary and the average salary within each continent?</a:t>
-            </a:r>
-            <a:r>
-              <a:rPr lang="en-IN" dirty="0"/>
-              <a:t>"</a:t>
-            </a:r>
-            <a:endParaRPr lang="en-US" dirty="0"/>
-          </a:p>
-        </p:txBody>
-      </p:sp>
-      <p:sp>
-        <p:nvSpPr>
-          <p:cNvPr id="11" name="TextBox 10">
-            <a:extLst>
-              <a:ext uri="{FF2B5EF4-FFF2-40B4-BE49-F238E27FC236}">
-                <a16:creationId xmlns:a16="http://schemas.microsoft.com/office/drawing/2014/main" id="{5D2F66F8-EC18-9A8F-442B-A4E0ABFDF96C}"/>
+              <a:t>Is there a significant difference in the highest salary between different continents, and does this difference align with the differences observed in median salary?</a:t>
+            </a:r>
+          </a:p>
+        </p:txBody>
+      </p:sp>
+      <p:sp>
+        <p:nvSpPr>
+          <p:cNvPr id="4" name="TextBox 3">
+            <a:extLst>
+              <a:ext uri="{FF2B5EF4-FFF2-40B4-BE49-F238E27FC236}">
+                <a16:creationId xmlns:a16="http://schemas.microsoft.com/office/drawing/2014/main" id="{DE72F059-9255-9179-43AF-55A7BEEA560A}"/>
               </a:ext>
             </a:extLst>
           </p:cNvPr>
@@ -8863,10 +8850,10 @@
       </p:sp>
       <p:sp>
         <p:nvSpPr>
-          <p:cNvPr id="13" name="TextBox 12">
-            <a:extLst>
-              <a:ext uri="{FF2B5EF4-FFF2-40B4-BE49-F238E27FC236}">
-                <a16:creationId xmlns:a16="http://schemas.microsoft.com/office/drawing/2014/main" id="{46EE64EF-810F-3707-5619-FA7E722DB622}"/>
+          <p:cNvPr id="5" name="TextBox 4">
+            <a:extLst>
+              <a:ext uri="{FF2B5EF4-FFF2-40B4-BE49-F238E27FC236}">
+                <a16:creationId xmlns:a16="http://schemas.microsoft.com/office/drawing/2014/main" id="{1B5C6B70-25E5-2247-2302-A8D7586A5655}"/>
               </a:ext>
             </a:extLst>
           </p:cNvPr>
@@ -8895,7 +8882,7 @@
             </a:r>
             <a:r>
               <a:rPr lang="en-US" dirty="0"/>
-              <a:t>There is no significant correlation between median salary and average salary within each continent.</a:t>
+              <a:t>There is no significant difference in the mean of the highest salary between different continents.</a:t>
             </a:r>
             <a:endParaRPr lang="en-IN" dirty="0"/>
           </a:p>
@@ -8909,7 +8896,7 @@
             </a:r>
             <a:r>
               <a:rPr lang="en-US" dirty="0"/>
-              <a:t>There is a significant correlation between median salary and average salary within each continent.</a:t>
+              <a:t>There is a significant difference in the mean of the highest salary between different continents.</a:t>
             </a:r>
           </a:p>
         </p:txBody>
@@ -8917,7 +8904,7 @@
     </p:spTree>
     <p:extLst>
       <p:ext uri="{BB962C8B-B14F-4D97-AF65-F5344CB8AC3E}">
-        <p14:creationId xmlns:p14="http://schemas.microsoft.com/office/powerpoint/2010/main" val="1992073409"/>
+        <p14:creationId xmlns:p14="http://schemas.microsoft.com/office/powerpoint/2010/main" val="2625468039"/>
       </p:ext>
     </p:extLst>
   </p:cSld>
@@ -8928,765 +8915,6 @@
 </file>
 
 <file path=ppt/slides/slide5.xml><?xml version="1.0" encoding="utf-8"?>
-<p:sld xmlns:a="http://schemas.openxmlformats.org/drawingml/2006/main" xmlns:r="http://schemas.openxmlformats.org/officeDocument/2006/relationships" xmlns:p="http://schemas.openxmlformats.org/presentationml/2006/main">
-  <p:cSld>
-    <p:spTree>
-      <p:nvGrpSpPr>
-        <p:cNvPr id="1" name=""/>
-        <p:cNvGrpSpPr/>
-        <p:nvPr/>
-      </p:nvGrpSpPr>
-      <p:grpSpPr>
-        <a:xfrm>
-          <a:off x="0" y="0"/>
-          <a:ext cx="0" cy="0"/>
-          <a:chOff x="0" y="0"/>
-          <a:chExt cx="0" cy="0"/>
-        </a:xfrm>
-      </p:grpSpPr>
-      <p:sp>
-        <p:nvSpPr>
-          <p:cNvPr id="2" name="TextBox 1">
-            <a:extLst>
-              <a:ext uri="{FF2B5EF4-FFF2-40B4-BE49-F238E27FC236}">
-                <a16:creationId xmlns:a16="http://schemas.microsoft.com/office/drawing/2014/main" id="{50177843-F983-C348-18C8-5F1AA3648898}"/>
-              </a:ext>
-            </a:extLst>
-          </p:cNvPr>
-          <p:cNvSpPr txBox="1"/>
-          <p:nvPr/>
-        </p:nvSpPr>
-        <p:spPr>
-          <a:xfrm>
-            <a:off x="406400" y="551934"/>
-            <a:ext cx="6096000" cy="646331"/>
-          </a:xfrm>
-          <a:prstGeom prst="rect">
-            <a:avLst/>
-          </a:prstGeom>
-          <a:noFill/>
-        </p:spPr>
-        <p:txBody>
-          <a:bodyPr wrap="square">
-            <a:spAutoFit/>
-          </a:bodyPr>
-          <a:lstStyle/>
-          <a:p>
-            <a:r>
-              <a:rPr lang="en-US" dirty="0"/>
-              <a:t>Research Question: Impact of Wage Span on Median   Salary</a:t>
-            </a:r>
-          </a:p>
-        </p:txBody>
-      </p:sp>
-      <p:sp>
-        <p:nvSpPr>
-          <p:cNvPr id="3" name="TextBox 2">
-            <a:extLst>
-              <a:ext uri="{FF2B5EF4-FFF2-40B4-BE49-F238E27FC236}">
-                <a16:creationId xmlns:a16="http://schemas.microsoft.com/office/drawing/2014/main" id="{FC454B35-8AC7-A5A9-852A-91FC6E47782F}"/>
-              </a:ext>
-            </a:extLst>
-          </p:cNvPr>
-          <p:cNvSpPr txBox="1"/>
-          <p:nvPr/>
-        </p:nvSpPr>
-        <p:spPr>
-          <a:xfrm>
-            <a:off x="381000" y="1175435"/>
-            <a:ext cx="9331960" cy="646331"/>
-          </a:xfrm>
-          <a:prstGeom prst="rect">
-            <a:avLst/>
-          </a:prstGeom>
-          <a:noFill/>
-        </p:spPr>
-        <p:txBody>
-          <a:bodyPr wrap="square">
-            <a:spAutoFit/>
-          </a:bodyPr>
-          <a:lstStyle/>
-          <a:p>
-            <a:r>
-              <a:rPr lang="en-US" dirty="0"/>
-              <a:t>Does the wage span (difference between the highest and lowest salaries) affect the median salary within each continent</a:t>
-            </a:r>
-          </a:p>
-        </p:txBody>
-      </p:sp>
-      <p:sp>
-        <p:nvSpPr>
-          <p:cNvPr id="4" name="TextBox 3">
-            <a:extLst>
-              <a:ext uri="{FF2B5EF4-FFF2-40B4-BE49-F238E27FC236}">
-                <a16:creationId xmlns:a16="http://schemas.microsoft.com/office/drawing/2014/main" id="{DE72F059-9255-9179-43AF-55A7BEEA560A}"/>
-              </a:ext>
-            </a:extLst>
-          </p:cNvPr>
-          <p:cNvSpPr txBox="1"/>
-          <p:nvPr/>
-        </p:nvSpPr>
-        <p:spPr>
-          <a:xfrm>
-            <a:off x="406400" y="2075934"/>
-            <a:ext cx="6096000" cy="369332"/>
-          </a:xfrm>
-          <a:prstGeom prst="rect">
-            <a:avLst/>
-          </a:prstGeom>
-          <a:noFill/>
-        </p:spPr>
-        <p:txBody>
-          <a:bodyPr wrap="square">
-            <a:spAutoFit/>
-          </a:bodyPr>
-          <a:lstStyle/>
-          <a:p>
-            <a:r>
-              <a:rPr lang="en-IN" dirty="0"/>
-              <a:t>Hypothesis:</a:t>
-            </a:r>
-            <a:endParaRPr lang="en-US" dirty="0"/>
-          </a:p>
-        </p:txBody>
-      </p:sp>
-      <p:sp>
-        <p:nvSpPr>
-          <p:cNvPr id="5" name="TextBox 4">
-            <a:extLst>
-              <a:ext uri="{FF2B5EF4-FFF2-40B4-BE49-F238E27FC236}">
-                <a16:creationId xmlns:a16="http://schemas.microsoft.com/office/drawing/2014/main" id="{1B5C6B70-25E5-2247-2302-A8D7586A5655}"/>
-              </a:ext>
-            </a:extLst>
-          </p:cNvPr>
-          <p:cNvSpPr txBox="1"/>
-          <p:nvPr/>
-        </p:nvSpPr>
-        <p:spPr>
-          <a:xfrm>
-            <a:off x="406400" y="2690336"/>
-            <a:ext cx="8737600" cy="1477328"/>
-          </a:xfrm>
-          <a:prstGeom prst="rect">
-            <a:avLst/>
-          </a:prstGeom>
-          <a:noFill/>
-        </p:spPr>
-        <p:txBody>
-          <a:bodyPr wrap="square">
-            <a:spAutoFit/>
-          </a:bodyPr>
-          <a:lstStyle/>
-          <a:p>
-            <a:r>
-              <a:rPr lang="en-IN" b="1" dirty="0"/>
-              <a:t>Null Hypothesis (H0):</a:t>
-            </a:r>
-            <a:r>
-              <a:rPr lang="en-US" dirty="0"/>
-              <a:t>There is no significant difference in median salary across different wage span categories within each continent.</a:t>
-            </a:r>
-            <a:r>
-              <a:rPr lang="en-IN" dirty="0"/>
-              <a:t> </a:t>
-            </a:r>
-          </a:p>
-          <a:p>
-            <a:endParaRPr lang="en-IN" dirty="0"/>
-          </a:p>
-          <a:p>
-            <a:r>
-              <a:rPr lang="en-IN" b="1" dirty="0"/>
-              <a:t>Alternative Hypothesis (H1):</a:t>
-            </a:r>
-            <a:r>
-              <a:rPr lang="en-US" dirty="0"/>
-              <a:t>There is a significant difference in median salary across different wage span categories within each continent.</a:t>
-            </a:r>
-          </a:p>
-        </p:txBody>
-      </p:sp>
-    </p:spTree>
-    <p:extLst>
-      <p:ext uri="{BB962C8B-B14F-4D97-AF65-F5344CB8AC3E}">
-        <p14:creationId xmlns:p14="http://schemas.microsoft.com/office/powerpoint/2010/main" val="2936678585"/>
-      </p:ext>
-    </p:extLst>
-  </p:cSld>
-  <p:clrMapOvr>
-    <a:masterClrMapping/>
-  </p:clrMapOvr>
-</p:sld>
-</file>
-
-<file path=ppt/slides/slide6.xml><?xml version="1.0" encoding="utf-8"?>
-<p:sld xmlns:a="http://schemas.openxmlformats.org/drawingml/2006/main" xmlns:r="http://schemas.openxmlformats.org/officeDocument/2006/relationships" xmlns:p="http://schemas.openxmlformats.org/presentationml/2006/main">
-  <p:cSld>
-    <p:spTree>
-      <p:nvGrpSpPr>
-        <p:cNvPr id="1" name=""/>
-        <p:cNvGrpSpPr/>
-        <p:nvPr/>
-      </p:nvGrpSpPr>
-      <p:grpSpPr>
-        <a:xfrm>
-          <a:off x="0" y="0"/>
-          <a:ext cx="0" cy="0"/>
-          <a:chOff x="0" y="0"/>
-          <a:chExt cx="0" cy="0"/>
-        </a:xfrm>
-      </p:grpSpPr>
-      <p:sp>
-        <p:nvSpPr>
-          <p:cNvPr id="2" name="TextBox 1">
-            <a:extLst>
-              <a:ext uri="{FF2B5EF4-FFF2-40B4-BE49-F238E27FC236}">
-                <a16:creationId xmlns:a16="http://schemas.microsoft.com/office/drawing/2014/main" id="{50177843-F983-C348-18C8-5F1AA3648898}"/>
-              </a:ext>
-            </a:extLst>
-          </p:cNvPr>
-          <p:cNvSpPr txBox="1"/>
-          <p:nvPr/>
-        </p:nvSpPr>
-        <p:spPr>
-          <a:xfrm>
-            <a:off x="406400" y="551934"/>
-            <a:ext cx="6096000" cy="646331"/>
-          </a:xfrm>
-          <a:prstGeom prst="rect">
-            <a:avLst/>
-          </a:prstGeom>
-          <a:noFill/>
-        </p:spPr>
-        <p:txBody>
-          <a:bodyPr wrap="square">
-            <a:spAutoFit/>
-          </a:bodyPr>
-          <a:lstStyle/>
-          <a:p>
-            <a:r>
-              <a:rPr lang="en-US" dirty="0"/>
-              <a:t>Research Question :Comparison of Salary Metrics across Continents</a:t>
-            </a:r>
-          </a:p>
-        </p:txBody>
-      </p:sp>
-      <p:sp>
-        <p:nvSpPr>
-          <p:cNvPr id="3" name="TextBox 2">
-            <a:extLst>
-              <a:ext uri="{FF2B5EF4-FFF2-40B4-BE49-F238E27FC236}">
-                <a16:creationId xmlns:a16="http://schemas.microsoft.com/office/drawing/2014/main" id="{FC454B35-8AC7-A5A9-852A-91FC6E47782F}"/>
-              </a:ext>
-            </a:extLst>
-          </p:cNvPr>
-          <p:cNvSpPr txBox="1"/>
-          <p:nvPr/>
-        </p:nvSpPr>
-        <p:spPr>
-          <a:xfrm>
-            <a:off x="381000" y="1175435"/>
-            <a:ext cx="9331960" cy="646331"/>
-          </a:xfrm>
-          <a:prstGeom prst="rect">
-            <a:avLst/>
-          </a:prstGeom>
-          <a:noFill/>
-        </p:spPr>
-        <p:txBody>
-          <a:bodyPr wrap="square">
-            <a:spAutoFit/>
-          </a:bodyPr>
-          <a:lstStyle/>
-          <a:p>
-            <a:r>
-              <a:rPr lang="en-US" dirty="0"/>
-              <a:t>Is there a significant difference in the highest salary between different continents, and does this difference align with the differences observed in median salary?</a:t>
-            </a:r>
-          </a:p>
-        </p:txBody>
-      </p:sp>
-      <p:sp>
-        <p:nvSpPr>
-          <p:cNvPr id="4" name="TextBox 3">
-            <a:extLst>
-              <a:ext uri="{FF2B5EF4-FFF2-40B4-BE49-F238E27FC236}">
-                <a16:creationId xmlns:a16="http://schemas.microsoft.com/office/drawing/2014/main" id="{DE72F059-9255-9179-43AF-55A7BEEA560A}"/>
-              </a:ext>
-            </a:extLst>
-          </p:cNvPr>
-          <p:cNvSpPr txBox="1"/>
-          <p:nvPr/>
-        </p:nvSpPr>
-        <p:spPr>
-          <a:xfrm>
-            <a:off x="406400" y="2075934"/>
-            <a:ext cx="6096000" cy="369332"/>
-          </a:xfrm>
-          <a:prstGeom prst="rect">
-            <a:avLst/>
-          </a:prstGeom>
-          <a:noFill/>
-        </p:spPr>
-        <p:txBody>
-          <a:bodyPr wrap="square">
-            <a:spAutoFit/>
-          </a:bodyPr>
-          <a:lstStyle/>
-          <a:p>
-            <a:r>
-              <a:rPr lang="en-IN" dirty="0"/>
-              <a:t>Hypothesis:</a:t>
-            </a:r>
-            <a:endParaRPr lang="en-US" dirty="0"/>
-          </a:p>
-        </p:txBody>
-      </p:sp>
-      <p:sp>
-        <p:nvSpPr>
-          <p:cNvPr id="5" name="TextBox 4">
-            <a:extLst>
-              <a:ext uri="{FF2B5EF4-FFF2-40B4-BE49-F238E27FC236}">
-                <a16:creationId xmlns:a16="http://schemas.microsoft.com/office/drawing/2014/main" id="{1B5C6B70-25E5-2247-2302-A8D7586A5655}"/>
-              </a:ext>
-            </a:extLst>
-          </p:cNvPr>
-          <p:cNvSpPr txBox="1"/>
-          <p:nvPr/>
-        </p:nvSpPr>
-        <p:spPr>
-          <a:xfrm>
-            <a:off x="406400" y="2690336"/>
-            <a:ext cx="8737600" cy="1477328"/>
-          </a:xfrm>
-          <a:prstGeom prst="rect">
-            <a:avLst/>
-          </a:prstGeom>
-          <a:noFill/>
-        </p:spPr>
-        <p:txBody>
-          <a:bodyPr wrap="square">
-            <a:spAutoFit/>
-          </a:bodyPr>
-          <a:lstStyle/>
-          <a:p>
-            <a:r>
-              <a:rPr lang="en-IN" b="1" dirty="0"/>
-              <a:t>Null Hypothesis (H0):</a:t>
-            </a:r>
-            <a:r>
-              <a:rPr lang="en-US" dirty="0"/>
-              <a:t>There is no significant difference in the mean of the highest salary between different continents.</a:t>
-            </a:r>
-            <a:endParaRPr lang="en-IN" dirty="0"/>
-          </a:p>
-          <a:p>
-            <a:endParaRPr lang="en-IN" dirty="0"/>
-          </a:p>
-          <a:p>
-            <a:r>
-              <a:rPr lang="en-IN" b="1" dirty="0"/>
-              <a:t>Alternative Hypothesis (H1):</a:t>
-            </a:r>
-            <a:r>
-              <a:rPr lang="en-US" dirty="0"/>
-              <a:t>There is a significant difference in the mean of the highest salary between different continents.</a:t>
-            </a:r>
-          </a:p>
-        </p:txBody>
-      </p:sp>
-    </p:spTree>
-    <p:extLst>
-      <p:ext uri="{BB962C8B-B14F-4D97-AF65-F5344CB8AC3E}">
-        <p14:creationId xmlns:p14="http://schemas.microsoft.com/office/powerpoint/2010/main" val="2643883780"/>
-      </p:ext>
-    </p:extLst>
-  </p:cSld>
-  <p:clrMapOvr>
-    <a:masterClrMapping/>
-  </p:clrMapOvr>
-</p:sld>
-</file>
-
-<file path=ppt/slides/slide7.xml><?xml version="1.0" encoding="utf-8"?>
-<p:sld xmlns:a="http://schemas.openxmlformats.org/drawingml/2006/main" xmlns:r="http://schemas.openxmlformats.org/officeDocument/2006/relationships" xmlns:p="http://schemas.openxmlformats.org/presentationml/2006/main">
-  <p:cSld>
-    <p:spTree>
-      <p:nvGrpSpPr>
-        <p:cNvPr id="1" name=""/>
-        <p:cNvGrpSpPr/>
-        <p:nvPr/>
-      </p:nvGrpSpPr>
-      <p:grpSpPr>
-        <a:xfrm>
-          <a:off x="0" y="0"/>
-          <a:ext cx="0" cy="0"/>
-          <a:chOff x="0" y="0"/>
-          <a:chExt cx="0" cy="0"/>
-        </a:xfrm>
-      </p:grpSpPr>
-      <p:sp>
-        <p:nvSpPr>
-          <p:cNvPr id="2" name="TextBox 1">
-            <a:extLst>
-              <a:ext uri="{FF2B5EF4-FFF2-40B4-BE49-F238E27FC236}">
-                <a16:creationId xmlns:a16="http://schemas.microsoft.com/office/drawing/2014/main" id="{50177843-F983-C348-18C8-5F1AA3648898}"/>
-              </a:ext>
-            </a:extLst>
-          </p:cNvPr>
-          <p:cNvSpPr txBox="1"/>
-          <p:nvPr/>
-        </p:nvSpPr>
-        <p:spPr>
-          <a:xfrm>
-            <a:off x="406400" y="551934"/>
-            <a:ext cx="6096000" cy="646331"/>
-          </a:xfrm>
-          <a:prstGeom prst="rect">
-            <a:avLst/>
-          </a:prstGeom>
-          <a:noFill/>
-        </p:spPr>
-        <p:txBody>
-          <a:bodyPr wrap="square">
-            <a:spAutoFit/>
-          </a:bodyPr>
-          <a:lstStyle/>
-          <a:p>
-            <a:r>
-              <a:rPr lang="en-US" dirty="0"/>
-              <a:t>Research Question :Relationship between lowest and highest salaries.</a:t>
-            </a:r>
-          </a:p>
-        </p:txBody>
-      </p:sp>
-      <p:sp>
-        <p:nvSpPr>
-          <p:cNvPr id="3" name="TextBox 2">
-            <a:extLst>
-              <a:ext uri="{FF2B5EF4-FFF2-40B4-BE49-F238E27FC236}">
-                <a16:creationId xmlns:a16="http://schemas.microsoft.com/office/drawing/2014/main" id="{FC454B35-8AC7-A5A9-852A-91FC6E47782F}"/>
-              </a:ext>
-            </a:extLst>
-          </p:cNvPr>
-          <p:cNvSpPr txBox="1"/>
-          <p:nvPr/>
-        </p:nvSpPr>
-        <p:spPr>
-          <a:xfrm>
-            <a:off x="381000" y="1175435"/>
-            <a:ext cx="9331960" cy="646331"/>
-          </a:xfrm>
-          <a:prstGeom prst="rect">
-            <a:avLst/>
-          </a:prstGeom>
-          <a:noFill/>
-        </p:spPr>
-        <p:txBody>
-          <a:bodyPr wrap="square">
-            <a:spAutoFit/>
-          </a:bodyPr>
-          <a:lstStyle/>
-          <a:p>
-            <a:r>
-              <a:rPr lang="en-US" dirty="0"/>
-              <a:t>Is there a strong correlation between the lowest salary offered and the highest salary offered within each job category across different continents?</a:t>
-            </a:r>
-          </a:p>
-        </p:txBody>
-      </p:sp>
-      <p:sp>
-        <p:nvSpPr>
-          <p:cNvPr id="4" name="TextBox 3">
-            <a:extLst>
-              <a:ext uri="{FF2B5EF4-FFF2-40B4-BE49-F238E27FC236}">
-                <a16:creationId xmlns:a16="http://schemas.microsoft.com/office/drawing/2014/main" id="{DE72F059-9255-9179-43AF-55A7BEEA560A}"/>
-              </a:ext>
-            </a:extLst>
-          </p:cNvPr>
-          <p:cNvSpPr txBox="1"/>
-          <p:nvPr/>
-        </p:nvSpPr>
-        <p:spPr>
-          <a:xfrm>
-            <a:off x="406400" y="2075934"/>
-            <a:ext cx="6096000" cy="369332"/>
-          </a:xfrm>
-          <a:prstGeom prst="rect">
-            <a:avLst/>
-          </a:prstGeom>
-          <a:noFill/>
-        </p:spPr>
-        <p:txBody>
-          <a:bodyPr wrap="square">
-            <a:spAutoFit/>
-          </a:bodyPr>
-          <a:lstStyle/>
-          <a:p>
-            <a:r>
-              <a:rPr lang="en-IN" dirty="0"/>
-              <a:t>Hypothesis:</a:t>
-            </a:r>
-            <a:endParaRPr lang="en-US" dirty="0"/>
-          </a:p>
-        </p:txBody>
-      </p:sp>
-      <p:sp>
-        <p:nvSpPr>
-          <p:cNvPr id="5" name="TextBox 4">
-            <a:extLst>
-              <a:ext uri="{FF2B5EF4-FFF2-40B4-BE49-F238E27FC236}">
-                <a16:creationId xmlns:a16="http://schemas.microsoft.com/office/drawing/2014/main" id="{1B5C6B70-25E5-2247-2302-A8D7586A5655}"/>
-              </a:ext>
-            </a:extLst>
-          </p:cNvPr>
-          <p:cNvSpPr txBox="1"/>
-          <p:nvPr/>
-        </p:nvSpPr>
-        <p:spPr>
-          <a:xfrm>
-            <a:off x="406400" y="2690336"/>
-            <a:ext cx="8737600" cy="1477328"/>
-          </a:xfrm>
-          <a:prstGeom prst="rect">
-            <a:avLst/>
-          </a:prstGeom>
-          <a:noFill/>
-        </p:spPr>
-        <p:txBody>
-          <a:bodyPr wrap="square">
-            <a:spAutoFit/>
-          </a:bodyPr>
-          <a:lstStyle/>
-          <a:p>
-            <a:r>
-              <a:rPr lang="en-IN" b="1" dirty="0"/>
-              <a:t>Null Hypothesis (H0):</a:t>
-            </a:r>
-            <a:r>
-              <a:rPr lang="en-US" dirty="0"/>
-              <a:t>There is no significant correlation between the lowest and highest salaries offered within each job category across different continents.</a:t>
-            </a:r>
-            <a:endParaRPr lang="en-IN" dirty="0"/>
-          </a:p>
-          <a:p>
-            <a:endParaRPr lang="en-IN" dirty="0"/>
-          </a:p>
-          <a:p>
-            <a:r>
-              <a:rPr lang="en-IN" b="1" dirty="0"/>
-              <a:t>Alternative Hypothesis (H1):</a:t>
-            </a:r>
-            <a:r>
-              <a:rPr lang="en-US" dirty="0"/>
-              <a:t>There is a significant correlation between the lowest and highest salaries offered within each job category across different continents.</a:t>
-            </a:r>
-          </a:p>
-        </p:txBody>
-      </p:sp>
-    </p:spTree>
-    <p:extLst>
-      <p:ext uri="{BB962C8B-B14F-4D97-AF65-F5344CB8AC3E}">
-        <p14:creationId xmlns:p14="http://schemas.microsoft.com/office/powerpoint/2010/main" val="2887943893"/>
-      </p:ext>
-    </p:extLst>
-  </p:cSld>
-  <p:clrMapOvr>
-    <a:masterClrMapping/>
-  </p:clrMapOvr>
-</p:sld>
-</file>
-
-<file path=ppt/slides/slide8.xml><?xml version="1.0" encoding="utf-8"?>
-<p:sld xmlns:a="http://schemas.openxmlformats.org/drawingml/2006/main" xmlns:r="http://schemas.openxmlformats.org/officeDocument/2006/relationships" xmlns:p="http://schemas.openxmlformats.org/presentationml/2006/main">
-  <p:cSld>
-    <p:spTree>
-      <p:nvGrpSpPr>
-        <p:cNvPr id="1" name=""/>
-        <p:cNvGrpSpPr/>
-        <p:nvPr/>
-      </p:nvGrpSpPr>
-      <p:grpSpPr>
-        <a:xfrm>
-          <a:off x="0" y="0"/>
-          <a:ext cx="0" cy="0"/>
-          <a:chOff x="0" y="0"/>
-          <a:chExt cx="0" cy="0"/>
-        </a:xfrm>
-      </p:grpSpPr>
-      <p:sp>
-        <p:nvSpPr>
-          <p:cNvPr id="2" name="TextBox 1">
-            <a:extLst>
-              <a:ext uri="{FF2B5EF4-FFF2-40B4-BE49-F238E27FC236}">
-                <a16:creationId xmlns:a16="http://schemas.microsoft.com/office/drawing/2014/main" id="{50177843-F983-C348-18C8-5F1AA3648898}"/>
-              </a:ext>
-            </a:extLst>
-          </p:cNvPr>
-          <p:cNvSpPr txBox="1"/>
-          <p:nvPr/>
-        </p:nvSpPr>
-        <p:spPr>
-          <a:xfrm>
-            <a:off x="406400" y="551934"/>
-            <a:ext cx="6096000" cy="646331"/>
-          </a:xfrm>
-          <a:prstGeom prst="rect">
-            <a:avLst/>
-          </a:prstGeom>
-          <a:noFill/>
-        </p:spPr>
-        <p:txBody>
-          <a:bodyPr wrap="square">
-            <a:spAutoFit/>
-          </a:bodyPr>
-          <a:lstStyle/>
-          <a:p>
-            <a:r>
-              <a:rPr lang="en-US" dirty="0"/>
-              <a:t>Research Question :Influence of job category on wage span.</a:t>
-            </a:r>
-          </a:p>
-        </p:txBody>
-      </p:sp>
-      <p:sp>
-        <p:nvSpPr>
-          <p:cNvPr id="3" name="TextBox 2">
-            <a:extLst>
-              <a:ext uri="{FF2B5EF4-FFF2-40B4-BE49-F238E27FC236}">
-                <a16:creationId xmlns:a16="http://schemas.microsoft.com/office/drawing/2014/main" id="{FC454B35-8AC7-A5A9-852A-91FC6E47782F}"/>
-              </a:ext>
-            </a:extLst>
-          </p:cNvPr>
-          <p:cNvSpPr txBox="1"/>
-          <p:nvPr/>
-        </p:nvSpPr>
-        <p:spPr>
-          <a:xfrm>
-            <a:off x="381000" y="1175435"/>
-            <a:ext cx="9331960" cy="646331"/>
-          </a:xfrm>
-          <a:prstGeom prst="rect">
-            <a:avLst/>
-          </a:prstGeom>
-          <a:noFill/>
-        </p:spPr>
-        <p:txBody>
-          <a:bodyPr wrap="square">
-            <a:spAutoFit/>
-          </a:bodyPr>
-          <a:lstStyle/>
-          <a:p>
-            <a:r>
-              <a:rPr lang="en-US" dirty="0"/>
-              <a:t>Does the job category significantly influence the wage span (difference between the highest and lowest salaries) across different continents? </a:t>
-            </a:r>
-          </a:p>
-        </p:txBody>
-      </p:sp>
-      <p:sp>
-        <p:nvSpPr>
-          <p:cNvPr id="4" name="TextBox 3">
-            <a:extLst>
-              <a:ext uri="{FF2B5EF4-FFF2-40B4-BE49-F238E27FC236}">
-                <a16:creationId xmlns:a16="http://schemas.microsoft.com/office/drawing/2014/main" id="{DE72F059-9255-9179-43AF-55A7BEEA560A}"/>
-              </a:ext>
-            </a:extLst>
-          </p:cNvPr>
-          <p:cNvSpPr txBox="1"/>
-          <p:nvPr/>
-        </p:nvSpPr>
-        <p:spPr>
-          <a:xfrm>
-            <a:off x="406400" y="2075934"/>
-            <a:ext cx="6096000" cy="369332"/>
-          </a:xfrm>
-          <a:prstGeom prst="rect">
-            <a:avLst/>
-          </a:prstGeom>
-          <a:noFill/>
-        </p:spPr>
-        <p:txBody>
-          <a:bodyPr wrap="square">
-            <a:spAutoFit/>
-          </a:bodyPr>
-          <a:lstStyle/>
-          <a:p>
-            <a:r>
-              <a:rPr lang="en-IN" dirty="0"/>
-              <a:t>Hypothesis:</a:t>
-            </a:r>
-            <a:endParaRPr lang="en-US" dirty="0"/>
-          </a:p>
-        </p:txBody>
-      </p:sp>
-      <p:sp>
-        <p:nvSpPr>
-          <p:cNvPr id="5" name="TextBox 4">
-            <a:extLst>
-              <a:ext uri="{FF2B5EF4-FFF2-40B4-BE49-F238E27FC236}">
-                <a16:creationId xmlns:a16="http://schemas.microsoft.com/office/drawing/2014/main" id="{1B5C6B70-25E5-2247-2302-A8D7586A5655}"/>
-              </a:ext>
-            </a:extLst>
-          </p:cNvPr>
-          <p:cNvSpPr txBox="1"/>
-          <p:nvPr/>
-        </p:nvSpPr>
-        <p:spPr>
-          <a:xfrm>
-            <a:off x="406400" y="2690336"/>
-            <a:ext cx="8737600" cy="1477328"/>
-          </a:xfrm>
-          <a:prstGeom prst="rect">
-            <a:avLst/>
-          </a:prstGeom>
-          <a:noFill/>
-        </p:spPr>
-        <p:txBody>
-          <a:bodyPr wrap="square">
-            <a:spAutoFit/>
-          </a:bodyPr>
-          <a:lstStyle/>
-          <a:p>
-            <a:r>
-              <a:rPr lang="en-IN" b="1" dirty="0"/>
-              <a:t>Null Hypothesis (H0):</a:t>
-            </a:r>
-            <a:r>
-              <a:rPr lang="en-US" dirty="0"/>
-              <a:t>The job category does not significantly influence the wage span across different continents.</a:t>
-            </a:r>
-            <a:endParaRPr lang="en-IN" dirty="0"/>
-          </a:p>
-          <a:p>
-            <a:endParaRPr lang="en-IN" dirty="0"/>
-          </a:p>
-          <a:p>
-            <a:r>
-              <a:rPr lang="en-IN" b="1" dirty="0"/>
-              <a:t>Alternative Hypothesis (H1):</a:t>
-            </a:r>
-            <a:r>
-              <a:rPr lang="en-US" dirty="0"/>
-              <a:t>The job category does not significantly influence the wage span across different continents.</a:t>
-            </a:r>
-          </a:p>
-        </p:txBody>
-      </p:sp>
-    </p:spTree>
-    <p:extLst>
-      <p:ext uri="{BB962C8B-B14F-4D97-AF65-F5344CB8AC3E}">
-        <p14:creationId xmlns:p14="http://schemas.microsoft.com/office/powerpoint/2010/main" val="4080629601"/>
-      </p:ext>
-    </p:extLst>
-  </p:cSld>
-  <p:clrMapOvr>
-    <a:masterClrMapping/>
-  </p:clrMapOvr>
-</p:sld>
-</file>
-
-<file path=ppt/slides/slide9.xml><?xml version="1.0" encoding="utf-8"?>
 <p:sld xmlns:a="http://schemas.openxmlformats.org/drawingml/2006/main" xmlns:r="http://schemas.openxmlformats.org/officeDocument/2006/relationships" xmlns:p="http://schemas.openxmlformats.org/presentationml/2006/main">
   <p:cSld>
     <p:spTree>
@@ -10245,6 +9473,15 @@
 </file>
 
 <file path=customXml/item1.xml><?xml version="1.0" encoding="utf-8"?>
+<?mso-contentType ?>
+<FormTemplates xmlns="http://schemas.microsoft.com/sharepoint/v3/contenttype/forms">
+  <Display>DocumentLibraryForm</Display>
+  <Edit>DocumentLibraryForm</Edit>
+  <New>DocumentLibraryForm</New>
+</FormTemplates>
+</file>
+
+<file path=customXml/item2.xml><?xml version="1.0" encoding="utf-8"?>
 <ct:contentTypeSchema xmlns:ct="http://schemas.microsoft.com/office/2006/metadata/contentType" xmlns:ma="http://schemas.microsoft.com/office/2006/metadata/properties/metaAttributes" ct:_="" ma:_="" ma:contentTypeName="Document" ma:contentTypeID="0x010100230EB50A786F7D44B2DA6D5684083129" ma:contentTypeVersion="12" ma:contentTypeDescription="Create a new document." ma:contentTypeScope="" ma:versionID="489b45e5cb3f44a67fe66f7cd19d4a18">
   <xsd:schema xmlns:xsd="http://www.w3.org/2001/XMLSchema" xmlns:xs="http://www.w3.org/2001/XMLSchema" xmlns:p="http://schemas.microsoft.com/office/2006/metadata/properties" xmlns:ns3="0c7542d7-599d-4a30-a37c-57caeeed3b8d" xmlns:ns4="01eca6e5-0169-4b0a-bf4b-4a1473db200d" targetNamespace="http://schemas.microsoft.com/office/2006/metadata/properties" ma:root="true" ma:fieldsID="6fdb20d785d5fb516a488f12c056331e" ns3:_="" ns4:_="">
     <xsd:import namespace="0c7542d7-599d-4a30-a37c-57caeeed3b8d"/>
@@ -10457,15 +9694,6 @@
 </ct:contentTypeSchema>
 </file>
 
-<file path=customXml/item2.xml><?xml version="1.0" encoding="utf-8"?>
-<?mso-contentType ?>
-<FormTemplates xmlns="http://schemas.microsoft.com/sharepoint/v3/contenttype/forms">
-  <Display>DocumentLibraryForm</Display>
-  <Edit>DocumentLibraryForm</Edit>
-  <New>DocumentLibraryForm</New>
-</FormTemplates>
-</file>
-
 <file path=customXml/item3.xml><?xml version="1.0" encoding="utf-8"?>
 <p:properties xmlns:p="http://schemas.microsoft.com/office/2006/metadata/properties" xmlns:xsi="http://www.w3.org/2001/XMLSchema-instance" xmlns:pc="http://schemas.microsoft.com/office/infopath/2007/PartnerControls">
   <documentManagement>
@@ -10475,6 +9703,14 @@
 </file>
 
 <file path=customXml/itemProps1.xml><?xml version="1.0" encoding="utf-8"?>
+<ds:datastoreItem xmlns:ds="http://schemas.openxmlformats.org/officeDocument/2006/customXml" ds:itemID="{6844D659-CC9B-4F53-B140-31E3500A18F6}">
+  <ds:schemaRefs>
+    <ds:schemaRef ds:uri="http://schemas.microsoft.com/sharepoint/v3/contenttype/forms"/>
+  </ds:schemaRefs>
+</ds:datastoreItem>
+</file>
+
+<file path=customXml/itemProps2.xml><?xml version="1.0" encoding="utf-8"?>
 <ds:datastoreItem xmlns:ds="http://schemas.openxmlformats.org/officeDocument/2006/customXml" ds:itemID="{2FB1090D-CAFE-475D-9835-381C394BDCC4}">
   <ds:schemaRefs>
     <ds:schemaRef ds:uri="http://schemas.microsoft.com/office/2006/metadata/contentType"/>
@@ -10489,14 +9725,6 @@
     <ds:schemaRef ds:uri="http://purl.org/dc/elements/1.1/"/>
     <ds:schemaRef ds:uri="http://purl.org/dc/terms/"/>
     <ds:schemaRef ds:uri="http://schemas.microsoft.com/internal/obd"/>
-  </ds:schemaRefs>
-</ds:datastoreItem>
-</file>
-
-<file path=customXml/itemProps2.xml><?xml version="1.0" encoding="utf-8"?>
-<ds:datastoreItem xmlns:ds="http://schemas.openxmlformats.org/officeDocument/2006/customXml" ds:itemID="{6844D659-CC9B-4F53-B140-31E3500A18F6}">
-  <ds:schemaRefs>
-    <ds:schemaRef ds:uri="http://schemas.microsoft.com/sharepoint/v3/contenttype/forms"/>
   </ds:schemaRefs>
 </ds:datastoreItem>
 </file>
